--- a/trunk/doc/SOLVING SUDOKU WITH MATLAB_algorithm.pptx
+++ b/trunk/doc/SOLVING SUDOKU WITH MATLAB_algorithm.pptx
@@ -5,15 +5,14 @@
     <p:sldMasterId id="2147483672" r:id="rId1"/>
   </p:sldMasterIdLst>
   <p:sldIdLst>
-    <p:sldId id="257" r:id="rId2"/>
-    <p:sldId id="260" r:id="rId3"/>
-    <p:sldId id="258" r:id="rId4"/>
-    <p:sldId id="261" r:id="rId5"/>
-    <p:sldId id="262" r:id="rId6"/>
-    <p:sldId id="263" r:id="rId7"/>
-    <p:sldId id="264" r:id="rId8"/>
-    <p:sldId id="265" r:id="rId9"/>
-    <p:sldId id="266" r:id="rId10"/>
+    <p:sldId id="260" r:id="rId2"/>
+    <p:sldId id="258" r:id="rId3"/>
+    <p:sldId id="261" r:id="rId4"/>
+    <p:sldId id="262" r:id="rId5"/>
+    <p:sldId id="263" r:id="rId6"/>
+    <p:sldId id="264" r:id="rId7"/>
+    <p:sldId id="265" r:id="rId8"/>
+    <p:sldId id="266" r:id="rId9"/>
   </p:sldIdLst>
   <p:sldSz cx="9144000" cy="6858000" type="screen4x3"/>
   <p:notesSz cx="6858000" cy="9144000"/>
@@ -5099,129 +5098,72 @@
         </p:nvSpPr>
         <p:spPr/>
         <p:txBody>
-          <a:bodyPr/>
+          <a:bodyPr>
+            <a:normAutofit/>
+          </a:bodyPr>
           <a:lstStyle/>
           <a:p>
             <a:r>
               <a:rPr lang="sv-SE" dirty="0" smtClean="0"/>
-              <a:t>SUDOKU BASIC DEFINITIONS</a:t>
+              <a:t>ALGORITHM</a:t>
             </a:r>
-            <a:endParaRPr lang="sv-SE" dirty="0" smtClean="0"/>
-          </a:p>
-          <a:p>
+          </a:p>
+          <a:p>
+            <a:pPr lvl="1"/>
             <a:r>
-              <a:rPr lang="en-GB" dirty="0" smtClean="0"/>
-              <a:t>Definition 1 (Sudoku Solution). </a:t>
+              <a:rPr lang="sv-SE" dirty="0" smtClean="0"/>
+              <a:t>Preemtive values set pattern </a:t>
             </a:r>
-            <a:endParaRPr lang="en-GB" dirty="0" smtClean="0"/>
-          </a:p>
-          <a:p>
-            <a:pPr>
-              <a:buNone/>
-            </a:pPr>
+          </a:p>
+          <a:p>
+            <a:pPr lvl="2"/>
             <a:r>
               <a:rPr lang="en-GB" i="1" dirty="0" smtClean="0"/>
-              <a:t>	</a:t>
+              <a:t>primary tool for solving Sudoku puzzles up to the point where either (1) a solution is found or (2) continuation requires choosing one number for the empty cell</a:t>
             </a:r>
+            <a:endParaRPr lang="sv-SE" i="1" dirty="0" smtClean="0"/>
+          </a:p>
+          <a:p>
+            <a:pPr lvl="1"/>
             <a:r>
-              <a:rPr lang="en-GB" i="1" dirty="0" smtClean="0"/>
-              <a:t>The </a:t>
+              <a:rPr lang="sv-SE" dirty="0" smtClean="0"/>
+              <a:t>Recursive backtracking</a:t>
             </a:r>
+          </a:p>
+          <a:p>
+            <a:pPr lvl="1"/>
             <a:r>
-              <a:rPr lang="en-GB" i="1" dirty="0" smtClean="0"/>
-              <a:t>solution </a:t>
+              <a:rPr lang="sv-SE" dirty="0" smtClean="0"/>
+              <a:t>Steps:</a:t>
             </a:r>
+          </a:p>
+          <a:p>
+            <a:pPr lvl="2"/>
             <a:r>
-              <a:rPr lang="en-GB" i="1" dirty="0" smtClean="0"/>
-              <a:t>of a </a:t>
+              <a:rPr lang="sv-SE" i="1" dirty="0" smtClean="0"/>
+              <a:t>Find all the possible values for the empty cell</a:t>
             </a:r>
+          </a:p>
+          <a:p>
+            <a:pPr lvl="2"/>
             <a:r>
-              <a:rPr lang="en-GB" i="1" dirty="0" smtClean="0"/>
-              <a:t>Sudoku puzzle requires that every row, </a:t>
+              <a:rPr lang="sv-SE" i="1" dirty="0" smtClean="0"/>
+              <a:t>if the cell has only one possible value, fill it</a:t>
             </a:r>
+          </a:p>
+          <a:p>
+            <a:pPr lvl="2"/>
             <a:r>
-              <a:rPr lang="en-GB" i="1" dirty="0" smtClean="0"/>
-              <a:t>column, and </a:t>
+              <a:rPr lang="sv-SE" i="1" dirty="0" smtClean="0"/>
+              <a:t>If  all the cells have more than one possible values we fill in a tentative value for one cell</a:t>
             </a:r>
+          </a:p>
+          <a:p>
+            <a:pPr lvl="2"/>
             <a:r>
-              <a:rPr lang="en-GB" i="1" dirty="0" smtClean="0"/>
-              <a:t>box contain all the numbers in the </a:t>
+              <a:rPr lang="sv-SE" i="1" dirty="0" smtClean="0"/>
+              <a:t>Verify the puzzle and backtracks</a:t>
             </a:r>
-            <a:r>
-              <a:rPr lang="en-GB" i="1" dirty="0" smtClean="0"/>
-              <a:t>set [1</a:t>
-            </a:r>
-            <a:r>
-              <a:rPr lang="en-GB" i="1" dirty="0" smtClean="0"/>
-              <a:t>, 2, . . . , 9] and that every cell be occupied by </a:t>
-            </a:r>
-            <a:r>
-              <a:rPr lang="en-GB" i="1" dirty="0" smtClean="0"/>
-              <a:t>one and </a:t>
-            </a:r>
-            <a:r>
-              <a:rPr lang="en-GB" i="1" dirty="0" smtClean="0"/>
-              <a:t>only one number</a:t>
-            </a:r>
-            <a:r>
-              <a:rPr lang="en-GB" i="1" dirty="0" smtClean="0"/>
-              <a:t>.</a:t>
-            </a:r>
-          </a:p>
-          <a:p>
-            <a:pPr>
-              <a:buNone/>
-            </a:pPr>
-            <a:endParaRPr lang="en-GB" i="1" dirty="0" smtClean="0"/>
-          </a:p>
-          <a:p>
-            <a:r>
-              <a:rPr lang="en-GB" dirty="0" smtClean="0"/>
-              <a:t>Definition </a:t>
-            </a:r>
-            <a:r>
-              <a:rPr lang="en-GB" dirty="0" smtClean="0"/>
-              <a:t>2 </a:t>
-            </a:r>
-            <a:r>
-              <a:rPr lang="en-GB" dirty="0" smtClean="0"/>
-              <a:t>(Sudoku Violation). </a:t>
-            </a:r>
-            <a:endParaRPr lang="en-GB" dirty="0" smtClean="0"/>
-          </a:p>
-          <a:p>
-            <a:pPr>
-              <a:buNone/>
-            </a:pPr>
-            <a:r>
-              <a:rPr lang="en-GB" i="1" dirty="0" smtClean="0"/>
-              <a:t> </a:t>
-            </a:r>
-            <a:r>
-              <a:rPr lang="en-GB" i="1" dirty="0" smtClean="0"/>
-              <a:t>   A </a:t>
-            </a:r>
-            <a:r>
-              <a:rPr lang="en-GB" i="1" dirty="0" smtClean="0"/>
-              <a:t>violation in </a:t>
-            </a:r>
-            <a:r>
-              <a:rPr lang="en-GB" i="1" dirty="0" smtClean="0"/>
-              <a:t>Sudoku occurs </a:t>
-            </a:r>
-            <a:r>
-              <a:rPr lang="en-GB" i="1" dirty="0" smtClean="0"/>
-              <a:t>when the same number occurs two </a:t>
-            </a:r>
-            <a:r>
-              <a:rPr lang="en-GB" i="1" dirty="0" smtClean="0"/>
-              <a:t>or more </a:t>
-            </a:r>
-            <a:r>
-              <a:rPr lang="en-GB" i="1" dirty="0" smtClean="0"/>
-              <a:t>times in the same row, column, or box.</a:t>
-            </a:r>
-            <a:endParaRPr lang="sv-SE" dirty="0" smtClean="0"/>
           </a:p>
         </p:txBody>
       </p:sp>
@@ -5292,95 +5234,19 @@
         </p:nvSpPr>
         <p:spPr/>
         <p:txBody>
-          <a:bodyPr>
-            <a:normAutofit/>
-          </a:bodyPr>
+          <a:bodyPr/>
           <a:lstStyle/>
           <a:p>
             <a:r>
               <a:rPr lang="sv-SE" dirty="0" smtClean="0"/>
-              <a:t>ALGORITHM</a:t>
+              <a:t>ALGORITHM EXAMPLE</a:t>
             </a:r>
           </a:p>
           <a:p>
             <a:pPr lvl="1"/>
             <a:r>
               <a:rPr lang="sv-SE" dirty="0" smtClean="0"/>
-              <a:t>Preemtive values set pattern </a:t>
-            </a:r>
-          </a:p>
-          <a:p>
-            <a:pPr lvl="2"/>
-            <a:r>
-              <a:rPr lang="en-GB" i="1" dirty="0" smtClean="0"/>
-              <a:t>primary </a:t>
-            </a:r>
-            <a:r>
-              <a:rPr lang="en-GB" i="1" dirty="0" smtClean="0"/>
-              <a:t>tool for solving Sudoku puzzles up </a:t>
-            </a:r>
-            <a:r>
-              <a:rPr lang="en-GB" i="1" dirty="0" smtClean="0"/>
-              <a:t>to the </a:t>
-            </a:r>
-            <a:r>
-              <a:rPr lang="en-GB" i="1" dirty="0" smtClean="0"/>
-              <a:t>point where either (1) a solution is found </a:t>
-            </a:r>
-            <a:r>
-              <a:rPr lang="en-GB" i="1" dirty="0" smtClean="0"/>
-              <a:t>or (2</a:t>
-            </a:r>
-            <a:r>
-              <a:rPr lang="en-GB" i="1" dirty="0" smtClean="0"/>
-              <a:t>) continuation requires </a:t>
-            </a:r>
-            <a:r>
-              <a:rPr lang="en-GB" i="1" dirty="0" smtClean="0"/>
-              <a:t>choosing one number for the empty cell</a:t>
-            </a:r>
-            <a:endParaRPr lang="sv-SE" i="1" dirty="0" smtClean="0"/>
-          </a:p>
-          <a:p>
-            <a:pPr lvl="1"/>
-            <a:r>
-              <a:rPr lang="sv-SE" dirty="0" smtClean="0"/>
-              <a:t>Recursive backtracking</a:t>
-            </a:r>
-          </a:p>
-          <a:p>
-            <a:pPr lvl="1"/>
-            <a:r>
-              <a:rPr lang="sv-SE" dirty="0" smtClean="0"/>
-              <a:t>Steps:</a:t>
-            </a:r>
-          </a:p>
-          <a:p>
-            <a:pPr lvl="2"/>
-            <a:r>
-              <a:rPr lang="sv-SE" i="1" dirty="0" smtClean="0"/>
-              <a:t>Find all the possible values for the empty cell</a:t>
-            </a:r>
-          </a:p>
-          <a:p>
-            <a:pPr lvl="2"/>
-            <a:r>
-              <a:rPr lang="sv-SE" i="1" dirty="0" smtClean="0"/>
-              <a:t>if the cell has only one possible value, fill it</a:t>
-            </a:r>
-          </a:p>
-          <a:p>
-            <a:pPr lvl="2"/>
-            <a:r>
-              <a:rPr lang="sv-SE" i="1" dirty="0" smtClean="0"/>
-              <a:t>If  all the cells have more than one possible values we fill in a tentative value for one cell</a:t>
-            </a:r>
-          </a:p>
-          <a:p>
-            <a:pPr lvl="2"/>
-            <a:r>
-              <a:rPr lang="sv-SE" i="1" dirty="0" smtClean="0"/>
-              <a:t>Verify the puzzle and backtracks</a:t>
+              <a:t>We assume for simplification in this example a simpler 4 by 4 grid with 2 by 2 blocks</a:t>
             </a:r>
           </a:p>
         </p:txBody>
@@ -5401,92 +5267,6 @@
 </file>
 
 <file path=ppt/slides/slide3.xml><?xml version="1.0" encoding="utf-8"?>
-<p:sld xmlns:a="http://schemas.openxmlformats.org/drawingml/2006/main" xmlns:r="http://schemas.openxmlformats.org/officeDocument/2006/relationships" xmlns:p="http://schemas.openxmlformats.org/presentationml/2006/main">
-  <p:cSld>
-    <p:spTree>
-      <p:nvGrpSpPr>
-        <p:cNvPr id="1" name=""/>
-        <p:cNvGrpSpPr/>
-        <p:nvPr/>
-      </p:nvGrpSpPr>
-      <p:grpSpPr>
-        <a:xfrm>
-          <a:off x="0" y="0"/>
-          <a:ext cx="0" cy="0"/>
-          <a:chOff x="0" y="0"/>
-          <a:chExt cx="0" cy="0"/>
-        </a:xfrm>
-      </p:grpSpPr>
-      <p:sp>
-        <p:nvSpPr>
-          <p:cNvPr id="4" name="Title 3"/>
-          <p:cNvSpPr>
-            <a:spLocks noGrp="1"/>
-          </p:cNvSpPr>
-          <p:nvPr>
-            <p:ph type="title"/>
-          </p:nvPr>
-        </p:nvSpPr>
-        <p:spPr/>
-        <p:txBody>
-          <a:bodyPr/>
-          <a:lstStyle/>
-          <a:p>
-            <a:r>
-              <a:rPr lang="sv-SE" dirty="0" smtClean="0"/>
-              <a:t>SOLVING SUDOKU WITH MATLAB</a:t>
-            </a:r>
-            <a:endParaRPr lang="sv-SE" dirty="0"/>
-          </a:p>
-        </p:txBody>
-      </p:sp>
-      <p:sp>
-        <p:nvSpPr>
-          <p:cNvPr id="5" name="Content Placeholder 4"/>
-          <p:cNvSpPr>
-            <a:spLocks noGrp="1"/>
-          </p:cNvSpPr>
-          <p:nvPr>
-            <p:ph sz="quarter" idx="1"/>
-          </p:nvPr>
-        </p:nvSpPr>
-        <p:spPr/>
-        <p:txBody>
-          <a:bodyPr/>
-          <a:lstStyle/>
-          <a:p>
-            <a:r>
-              <a:rPr lang="sv-SE" dirty="0" smtClean="0"/>
-              <a:t>ALGORITHM EXAMPLE</a:t>
-            </a:r>
-            <a:endParaRPr lang="sv-SE" dirty="0" smtClean="0"/>
-          </a:p>
-          <a:p>
-            <a:pPr lvl="1"/>
-            <a:r>
-              <a:rPr lang="sv-SE" dirty="0" smtClean="0"/>
-              <a:t>We assume for simplification in this example a simpler 4 by 4 grid with 2 by 2 blocks</a:t>
-            </a:r>
-            <a:endParaRPr lang="sv-SE" dirty="0" smtClean="0"/>
-          </a:p>
-        </p:txBody>
-      </p:sp>
-    </p:spTree>
-  </p:cSld>
-  <p:clrMapOvr>
-    <a:masterClrMapping/>
-  </p:clrMapOvr>
-  <p:timing>
-    <p:tnLst>
-      <p:par>
-        <p:cTn id="1" dur="indefinite" restart="never" nodeType="tmRoot"/>
-      </p:par>
-    </p:tnLst>
-  </p:timing>
-</p:sld>
-</file>
-
-<file path=ppt/slides/slide4.xml><?xml version="1.0" encoding="utf-8"?>
 <p:sld xmlns:a="http://schemas.openxmlformats.org/drawingml/2006/main" xmlns:r="http://schemas.openxmlformats.org/officeDocument/2006/relationships" xmlns:p="http://schemas.openxmlformats.org/presentationml/2006/main">
   <p:cSld>
     <p:spTree>
@@ -6397,7 +6177,7 @@
 </p:sld>
 </file>
 
-<file path=ppt/slides/slide5.xml><?xml version="1.0" encoding="utf-8"?>
+<file path=ppt/slides/slide4.xml><?xml version="1.0" encoding="utf-8"?>
 <p:sld xmlns:a="http://schemas.openxmlformats.org/drawingml/2006/main" xmlns:r="http://schemas.openxmlformats.org/officeDocument/2006/relationships" xmlns:p="http://schemas.openxmlformats.org/presentationml/2006/main">
   <p:cSld>
     <p:spTree>
@@ -7413,7 +7193,7 @@
 </p:sld>
 </file>
 
-<file path=ppt/slides/slide6.xml><?xml version="1.0" encoding="utf-8"?>
+<file path=ppt/slides/slide5.xml><?xml version="1.0" encoding="utf-8"?>
 <p:sld xmlns:a="http://schemas.openxmlformats.org/drawingml/2006/main" xmlns:r="http://schemas.openxmlformats.org/officeDocument/2006/relationships" xmlns:p="http://schemas.openxmlformats.org/presentationml/2006/main">
   <p:cSld>
     <p:spTree>
@@ -8476,7 +8256,7 @@
 </p:sld>
 </file>
 
-<file path=ppt/slides/slide7.xml><?xml version="1.0" encoding="utf-8"?>
+<file path=ppt/slides/slide6.xml><?xml version="1.0" encoding="utf-8"?>
 <p:sld xmlns:a="http://schemas.openxmlformats.org/drawingml/2006/main" xmlns:r="http://schemas.openxmlformats.org/officeDocument/2006/relationships" xmlns:p="http://schemas.openxmlformats.org/presentationml/2006/main">
   <p:cSld>
     <p:spTree>
@@ -9691,7 +9471,7 @@
 </p:sld>
 </file>
 
-<file path=ppt/slides/slide8.xml><?xml version="1.0" encoding="utf-8"?>
+<file path=ppt/slides/slide7.xml><?xml version="1.0" encoding="utf-8"?>
 <p:sld xmlns:a="http://schemas.openxmlformats.org/drawingml/2006/main" xmlns:r="http://schemas.openxmlformats.org/officeDocument/2006/relationships" xmlns:p="http://schemas.openxmlformats.org/presentationml/2006/main">
   <p:cSld>
     <p:spTree>
@@ -10856,7 +10636,7 @@
 </p:sld>
 </file>
 
-<file path=ppt/slides/slide9.xml><?xml version="1.0" encoding="utf-8"?>
+<file path=ppt/slides/slide8.xml><?xml version="1.0" encoding="utf-8"?>
 <p:sld xmlns:a="http://schemas.openxmlformats.org/drawingml/2006/main" xmlns:r="http://schemas.openxmlformats.org/officeDocument/2006/relationships" xmlns:p="http://schemas.openxmlformats.org/presentationml/2006/main">
   <p:cSld>
     <p:spTree>
